--- a/module-4/Service-Discovery-in-a-Microservices-Architecture.pptx
+++ b/module-4/Service-Discovery-in-a-Microservices-Architecture.pptx
@@ -247,7 +247,7 @@
           <a:p>
             <a:fld id="{E53F22ED-61EE-4EA0-BD68-13D059855FFE}" type="datetimeFigureOut">
               <a:rPr lang="en-US" smtClean="0"/>
-              <a:t>1/4/2022</a:t>
+              <a:t>1/8/2022</a:t>
             </a:fld>
             <a:endParaRPr lang="en-US"/>
           </a:p>
@@ -417,7 +417,7 @@
           <a:p>
             <a:fld id="{E53F22ED-61EE-4EA0-BD68-13D059855FFE}" type="datetimeFigureOut">
               <a:rPr lang="en-US" smtClean="0"/>
-              <a:t>1/4/2022</a:t>
+              <a:t>1/8/2022</a:t>
             </a:fld>
             <a:endParaRPr lang="en-US"/>
           </a:p>
@@ -597,7 +597,7 @@
           <a:p>
             <a:fld id="{E53F22ED-61EE-4EA0-BD68-13D059855FFE}" type="datetimeFigureOut">
               <a:rPr lang="en-US" smtClean="0"/>
-              <a:t>1/4/2022</a:t>
+              <a:t>1/8/2022</a:t>
             </a:fld>
             <a:endParaRPr lang="en-US"/>
           </a:p>
@@ -767,7 +767,7 @@
           <a:p>
             <a:fld id="{E53F22ED-61EE-4EA0-BD68-13D059855FFE}" type="datetimeFigureOut">
               <a:rPr lang="en-US" smtClean="0"/>
-              <a:t>1/4/2022</a:t>
+              <a:t>1/8/2022</a:t>
             </a:fld>
             <a:endParaRPr lang="en-US"/>
           </a:p>
@@ -1013,7 +1013,7 @@
           <a:p>
             <a:fld id="{E53F22ED-61EE-4EA0-BD68-13D059855FFE}" type="datetimeFigureOut">
               <a:rPr lang="en-US" smtClean="0"/>
-              <a:t>1/4/2022</a:t>
+              <a:t>1/8/2022</a:t>
             </a:fld>
             <a:endParaRPr lang="en-US"/>
           </a:p>
@@ -1245,7 +1245,7 @@
           <a:p>
             <a:fld id="{E53F22ED-61EE-4EA0-BD68-13D059855FFE}" type="datetimeFigureOut">
               <a:rPr lang="en-US" smtClean="0"/>
-              <a:t>1/4/2022</a:t>
+              <a:t>1/8/2022</a:t>
             </a:fld>
             <a:endParaRPr lang="en-US"/>
           </a:p>
@@ -1612,7 +1612,7 @@
           <a:p>
             <a:fld id="{E53F22ED-61EE-4EA0-BD68-13D059855FFE}" type="datetimeFigureOut">
               <a:rPr lang="en-US" smtClean="0"/>
-              <a:t>1/4/2022</a:t>
+              <a:t>1/8/2022</a:t>
             </a:fld>
             <a:endParaRPr lang="en-US"/>
           </a:p>
@@ -1730,7 +1730,7 @@
           <a:p>
             <a:fld id="{E53F22ED-61EE-4EA0-BD68-13D059855FFE}" type="datetimeFigureOut">
               <a:rPr lang="en-US" smtClean="0"/>
-              <a:t>1/4/2022</a:t>
+              <a:t>1/8/2022</a:t>
             </a:fld>
             <a:endParaRPr lang="en-US"/>
           </a:p>
@@ -1825,7 +1825,7 @@
           <a:p>
             <a:fld id="{E53F22ED-61EE-4EA0-BD68-13D059855FFE}" type="datetimeFigureOut">
               <a:rPr lang="en-US" smtClean="0"/>
-              <a:t>1/4/2022</a:t>
+              <a:t>1/8/2022</a:t>
             </a:fld>
             <a:endParaRPr lang="en-US"/>
           </a:p>
@@ -2102,7 +2102,7 @@
           <a:p>
             <a:fld id="{E53F22ED-61EE-4EA0-BD68-13D059855FFE}" type="datetimeFigureOut">
               <a:rPr lang="en-US" smtClean="0"/>
-              <a:t>1/4/2022</a:t>
+              <a:t>1/8/2022</a:t>
             </a:fld>
             <a:endParaRPr lang="en-US"/>
           </a:p>
@@ -2355,7 +2355,7 @@
           <a:p>
             <a:fld id="{E53F22ED-61EE-4EA0-BD68-13D059855FFE}" type="datetimeFigureOut">
               <a:rPr lang="en-US" smtClean="0"/>
-              <a:t>1/4/2022</a:t>
+              <a:t>1/8/2022</a:t>
             </a:fld>
             <a:endParaRPr lang="en-US"/>
           </a:p>
@@ -2568,7 +2568,7 @@
           <a:p>
             <a:fld id="{E53F22ED-61EE-4EA0-BD68-13D059855FFE}" type="datetimeFigureOut">
               <a:rPr lang="en-US" smtClean="0"/>
-              <a:t>1/4/2022</a:t>
+              <a:t>1/8/2022</a:t>
             </a:fld>
             <a:endParaRPr lang="en-US"/>
           </a:p>
@@ -3068,9 +3068,84 @@
   <p:timing>
     <p:tnLst>
       <p:par>
-        <p:cTn id="1" dur="indefinite" restart="never" nodeType="tmRoot"/>
+        <p:cTn id="1" dur="indefinite" restart="never" nodeType="tmRoot">
+          <p:childTnLst>
+            <p:seq concurrent="1" nextAc="seek">
+              <p:cTn id="2" dur="indefinite" nodeType="mainSeq">
+                <p:childTnLst>
+                  <p:par>
+                    <p:cTn id="3" fill="hold">
+                      <p:stCondLst>
+                        <p:cond delay="indefinite"/>
+                      </p:stCondLst>
+                      <p:childTnLst>
+                        <p:par>
+                          <p:cTn id="4" fill="hold">
+                            <p:stCondLst>
+                              <p:cond delay="0"/>
+                            </p:stCondLst>
+                            <p:childTnLst>
+                              <p:par>
+                                <p:cTn id="5" presetID="1" presetClass="entr" presetSubtype="0" fill="hold" grpId="0" nodeType="clickEffect">
+                                  <p:stCondLst>
+                                    <p:cond delay="0"/>
+                                  </p:stCondLst>
+                                  <p:childTnLst>
+                                    <p:set>
+                                      <p:cBhvr>
+                                        <p:cTn id="6" dur="1" fill="hold">
+                                          <p:stCondLst>
+                                            <p:cond delay="0"/>
+                                          </p:stCondLst>
+                                        </p:cTn>
+                                        <p:tgtEl>
+                                          <p:spTgt spid="3">
+                                            <p:txEl>
+                                              <p:pRg st="0" end="0"/>
+                                            </p:txEl>
+                                          </p:spTgt>
+                                        </p:tgtEl>
+                                        <p:attrNameLst>
+                                          <p:attrName>style.visibility</p:attrName>
+                                        </p:attrNameLst>
+                                      </p:cBhvr>
+                                      <p:to>
+                                        <p:strVal val="visible"/>
+                                      </p:to>
+                                    </p:set>
+                                  </p:childTnLst>
+                                </p:cTn>
+                              </p:par>
+                            </p:childTnLst>
+                          </p:cTn>
+                        </p:par>
+                      </p:childTnLst>
+                    </p:cTn>
+                  </p:par>
+                </p:childTnLst>
+              </p:cTn>
+              <p:prevCondLst>
+                <p:cond evt="onPrev" delay="0">
+                  <p:tgtEl>
+                    <p:sldTgt/>
+                  </p:tgtEl>
+                </p:cond>
+              </p:prevCondLst>
+              <p:nextCondLst>
+                <p:cond evt="onNext" delay="0">
+                  <p:tgtEl>
+                    <p:sldTgt/>
+                  </p:tgtEl>
+                </p:cond>
+              </p:nextCondLst>
+            </p:seq>
+          </p:childTnLst>
+        </p:cTn>
       </p:par>
     </p:tnLst>
+    <p:bldLst>
+      <p:bldP spid="3" grpId="0" build="p"/>
+    </p:bldLst>
   </p:timing>
 </p:sld>
 </file>
@@ -3900,7 +3975,7 @@
                 <a:latin typeface="Arial" panose="020B0604020202020204" pitchFamily="34" charset="0"/>
                 <a:cs typeface="Arial" panose="020B0604020202020204" pitchFamily="34" charset="0"/>
               </a:rPr>
-              <a:t>Lựa</a:t>
+              <a:t>Chọn</a:t>
             </a:r>
             <a:r>
               <a:rPr lang="en-US" sz="2800" dirty="0" smtClean="0">
@@ -3910,7 +3985,7 @@
                 <a:latin typeface="Arial" panose="020B0604020202020204" pitchFamily="34" charset="0"/>
                 <a:cs typeface="Arial" panose="020B0604020202020204" pitchFamily="34" charset="0"/>
               </a:rPr>
-              <a:t> </a:t>
+              <a:t> data storage </a:t>
             </a:r>
             <a:r>
               <a:rPr lang="en-US" sz="2800" dirty="0" err="1" smtClean="0">
@@ -3920,107 +3995,7 @@
                 <a:latin typeface="Arial" panose="020B0604020202020204" pitchFamily="34" charset="0"/>
                 <a:cs typeface="Arial" panose="020B0604020202020204" pitchFamily="34" charset="0"/>
               </a:rPr>
-              <a:t>chọn</a:t>
-            </a:r>
-            <a:r>
-              <a:rPr lang="en-US" sz="2800" dirty="0" smtClean="0">
-                <a:solidFill>
-                  <a:srgbClr val="00B050"/>
-                </a:solidFill>
-                <a:latin typeface="Arial" panose="020B0604020202020204" pitchFamily="34" charset="0"/>
-                <a:cs typeface="Arial" panose="020B0604020202020204" pitchFamily="34" charset="0"/>
-              </a:rPr>
-              <a:t> database </a:t>
-            </a:r>
-            <a:r>
-              <a:rPr lang="en-US" sz="2800" dirty="0" err="1" smtClean="0">
-                <a:solidFill>
-                  <a:srgbClr val="00B050"/>
-                </a:solidFill>
-                <a:latin typeface="Arial" panose="020B0604020202020204" pitchFamily="34" charset="0"/>
-                <a:cs typeface="Arial" panose="020B0604020202020204" pitchFamily="34" charset="0"/>
-              </a:rPr>
-              <a:t>để</a:t>
-            </a:r>
-            <a:r>
-              <a:rPr lang="en-US" sz="2800" dirty="0" smtClean="0">
-                <a:solidFill>
-                  <a:srgbClr val="00B050"/>
-                </a:solidFill>
-                <a:latin typeface="Arial" panose="020B0604020202020204" pitchFamily="34" charset="0"/>
-                <a:cs typeface="Arial" panose="020B0604020202020204" pitchFamily="34" charset="0"/>
-              </a:rPr>
-              <a:t> </a:t>
-            </a:r>
-            <a:r>
-              <a:rPr lang="en-US" sz="2800" dirty="0" err="1" smtClean="0">
-                <a:solidFill>
-                  <a:srgbClr val="00B050"/>
-                </a:solidFill>
-                <a:latin typeface="Arial" panose="020B0604020202020204" pitchFamily="34" charset="0"/>
-                <a:cs typeface="Arial" panose="020B0604020202020204" pitchFamily="34" charset="0"/>
-              </a:rPr>
-              <a:t>lưu</a:t>
-            </a:r>
-            <a:r>
-              <a:rPr lang="en-US" sz="2800" dirty="0" smtClean="0">
-                <a:solidFill>
-                  <a:srgbClr val="00B050"/>
-                </a:solidFill>
-                <a:latin typeface="Arial" panose="020B0604020202020204" pitchFamily="34" charset="0"/>
-                <a:cs typeface="Arial" panose="020B0604020202020204" pitchFamily="34" charset="0"/>
-              </a:rPr>
-              <a:t> </a:t>
-            </a:r>
-            <a:r>
-              <a:rPr lang="en-US" sz="2800" dirty="0" err="1" smtClean="0">
-                <a:solidFill>
-                  <a:srgbClr val="00B050"/>
-                </a:solidFill>
-                <a:latin typeface="Arial" panose="020B0604020202020204" pitchFamily="34" charset="0"/>
-                <a:cs typeface="Arial" panose="020B0604020202020204" pitchFamily="34" charset="0"/>
-              </a:rPr>
-              <a:t>cấu</a:t>
-            </a:r>
-            <a:r>
-              <a:rPr lang="en-US" sz="2800" dirty="0" smtClean="0">
-                <a:solidFill>
-                  <a:srgbClr val="00B050"/>
-                </a:solidFill>
-                <a:latin typeface="Arial" panose="020B0604020202020204" pitchFamily="34" charset="0"/>
-                <a:cs typeface="Arial" panose="020B0604020202020204" pitchFamily="34" charset="0"/>
-              </a:rPr>
-              <a:t> </a:t>
-            </a:r>
-            <a:r>
-              <a:rPr lang="en-US" sz="2800" dirty="0" err="1" smtClean="0">
-                <a:solidFill>
-                  <a:srgbClr val="00B050"/>
-                </a:solidFill>
-                <a:latin typeface="Arial" panose="020B0604020202020204" pitchFamily="34" charset="0"/>
-                <a:cs typeface="Arial" panose="020B0604020202020204" pitchFamily="34" charset="0"/>
-              </a:rPr>
-              <a:t>hình</a:t>
-            </a:r>
-            <a:r>
-              <a:rPr lang="en-US" sz="2800" dirty="0" smtClean="0">
-                <a:solidFill>
-                  <a:srgbClr val="00B050"/>
-                </a:solidFill>
-                <a:latin typeface="Arial" panose="020B0604020202020204" pitchFamily="34" charset="0"/>
-                <a:cs typeface="Arial" panose="020B0604020202020204" pitchFamily="34" charset="0"/>
-              </a:rPr>
-              <a:t> </a:t>
-            </a:r>
-            <a:r>
-              <a:rPr lang="en-US" sz="2800" dirty="0" err="1" smtClean="0">
-                <a:solidFill>
-                  <a:srgbClr val="00B050"/>
-                </a:solidFill>
-                <a:latin typeface="Arial" panose="020B0604020202020204" pitchFamily="34" charset="0"/>
-                <a:cs typeface="Arial" panose="020B0604020202020204" pitchFamily="34" charset="0"/>
-              </a:rPr>
-              <a:t>trong</a:t>
+              <a:t>cho</a:t>
             </a:r>
             <a:r>
               <a:rPr lang="en-US" sz="2800" dirty="0" smtClean="0">
@@ -4052,7 +4027,7 @@
             <p:ph idx="1"/>
             <p:extLst>
               <p:ext uri="{D42A27DB-BD31-4B8C-83A1-F6EECF244321}">
-                <p14:modId xmlns:p14="http://schemas.microsoft.com/office/powerpoint/2010/main" val="2296012723"/>
+                <p14:modId xmlns:p14="http://schemas.microsoft.com/office/powerpoint/2010/main" val="2598567594"/>
               </p:ext>
             </p:extLst>
           </p:nvPr>
@@ -4135,28 +4110,14 @@
                           <a:latin typeface="Times New Roman" panose="02020603050405020304" pitchFamily="18" charset="0"/>
                           <a:cs typeface="Times New Roman" panose="02020603050405020304" pitchFamily="18" charset="0"/>
                         </a:rPr>
-                        <a:t> </a:t>
-                      </a:r>
-                      <a:r>
-                        <a:rPr lang="en-US" baseline="0" smtClean="0">
-                          <a:latin typeface="Times New Roman" panose="02020603050405020304" pitchFamily="18" charset="0"/>
-                          <a:cs typeface="Times New Roman" panose="02020603050405020304" pitchFamily="18" charset="0"/>
-                        </a:rPr>
-                        <a:t>PostgreSQL</a:t>
+                        <a:t> PostgreSQL</a:t>
                       </a:r>
                       <a:r>
                         <a:rPr lang="en-US" baseline="0" dirty="0" smtClean="0">
                           <a:latin typeface="Times New Roman" panose="02020603050405020304" pitchFamily="18" charset="0"/>
                           <a:cs typeface="Times New Roman" panose="02020603050405020304" pitchFamily="18" charset="0"/>
                         </a:rPr>
-                        <a:t>, </a:t>
-                      </a:r>
-                      <a:r>
-                        <a:rPr lang="en-US" baseline="0" dirty="0" smtClean="0">
-                          <a:latin typeface="Times New Roman" panose="02020603050405020304" pitchFamily="18" charset="0"/>
-                          <a:cs typeface="Times New Roman" panose="02020603050405020304" pitchFamily="18" charset="0"/>
-                        </a:rPr>
-                        <a:t>MongoDB</a:t>
+                        <a:t>, MongoDB</a:t>
                       </a:r>
                       <a:endParaRPr lang="en-US" dirty="0">
                         <a:latin typeface="Times New Roman" panose="02020603050405020304" pitchFamily="18" charset="0"/>
@@ -4718,7 +4679,7 @@
                           <a:latin typeface="Times New Roman" panose="02020603050405020304" pitchFamily="18" charset="0"/>
                           <a:cs typeface="Times New Roman" panose="02020603050405020304" pitchFamily="18" charset="0"/>
                         </a:rPr>
-                        <a:t>Hỗ</a:t>
+                        <a:t>Tính</a:t>
                       </a:r>
                       <a:r>
                         <a:rPr lang="en-US" baseline="0" dirty="0" smtClean="0">
@@ -4732,14 +4693,14 @@
                           <a:latin typeface="Times New Roman" panose="02020603050405020304" pitchFamily="18" charset="0"/>
                           <a:cs typeface="Times New Roman" panose="02020603050405020304" pitchFamily="18" charset="0"/>
                         </a:rPr>
-                        <a:t>trợ</a:t>
+                        <a:t>năng</a:t>
                       </a:r>
                       <a:r>
                         <a:rPr lang="en-US" baseline="0" dirty="0" smtClean="0">
                           <a:latin typeface="Times New Roman" panose="02020603050405020304" pitchFamily="18" charset="0"/>
                           <a:cs typeface="Times New Roman" panose="02020603050405020304" pitchFamily="18" charset="0"/>
                         </a:rPr>
-                        <a:t> watch (</a:t>
+                        <a:t> watch </a:t>
                       </a:r>
                       <a:r>
                         <a:rPr lang="en-US" baseline="0" dirty="0" err="1" smtClean="0">
@@ -4767,7 +4728,7 @@
                           <a:latin typeface="Times New Roman" panose="02020603050405020304" pitchFamily="18" charset="0"/>
                           <a:cs typeface="Times New Roman" panose="02020603050405020304" pitchFamily="18" charset="0"/>
                         </a:rPr>
-                        <a:t> data)</a:t>
+                        <a:t> data</a:t>
                       </a:r>
                       <a:endParaRPr lang="en-US" dirty="0">
                         <a:latin typeface="Times New Roman" panose="02020603050405020304" pitchFamily="18" charset="0"/>
@@ -4859,7 +4820,7 @@
         </p:nvSpPr>
         <p:spPr>
           <a:xfrm>
-            <a:off x="838200" y="5201265"/>
+            <a:off x="5309419" y="5083278"/>
             <a:ext cx="1573162" cy="1200329"/>
           </a:xfrm>
           <a:prstGeom prst="rect">
@@ -4950,9 +4911,157 @@
   <p:timing>
     <p:tnLst>
       <p:par>
-        <p:cTn id="1" dur="indefinite" restart="never" nodeType="tmRoot"/>
+        <p:cTn id="1" dur="indefinite" restart="never" nodeType="tmRoot">
+          <p:childTnLst>
+            <p:seq concurrent="1" nextAc="seek">
+              <p:cTn id="2" dur="indefinite" nodeType="mainSeq">
+                <p:childTnLst>
+                  <p:par>
+                    <p:cTn id="3" fill="hold">
+                      <p:stCondLst>
+                        <p:cond delay="indefinite"/>
+                      </p:stCondLst>
+                      <p:childTnLst>
+                        <p:par>
+                          <p:cTn id="4" fill="hold">
+                            <p:stCondLst>
+                              <p:cond delay="0"/>
+                            </p:stCondLst>
+                            <p:childTnLst>
+                              <p:par>
+                                <p:cTn id="5" presetID="31" presetClass="entr" presetSubtype="0" fill="hold" grpId="0" nodeType="clickEffect">
+                                  <p:stCondLst>
+                                    <p:cond delay="0"/>
+                                  </p:stCondLst>
+                                  <p:childTnLst>
+                                    <p:set>
+                                      <p:cBhvr>
+                                        <p:cTn id="6" dur="1" fill="hold">
+                                          <p:stCondLst>
+                                            <p:cond delay="0"/>
+                                          </p:stCondLst>
+                                        </p:cTn>
+                                        <p:tgtEl>
+                                          <p:spTgt spid="5"/>
+                                        </p:tgtEl>
+                                        <p:attrNameLst>
+                                          <p:attrName>style.visibility</p:attrName>
+                                        </p:attrNameLst>
+                                      </p:cBhvr>
+                                      <p:to>
+                                        <p:strVal val="visible"/>
+                                      </p:to>
+                                    </p:set>
+                                    <p:anim calcmode="lin" valueType="num">
+                                      <p:cBhvr>
+                                        <p:cTn id="7" dur="1000" fill="hold"/>
+                                        <p:tgtEl>
+                                          <p:spTgt spid="5"/>
+                                        </p:tgtEl>
+                                        <p:attrNameLst>
+                                          <p:attrName>ppt_w</p:attrName>
+                                        </p:attrNameLst>
+                                      </p:cBhvr>
+                                      <p:tavLst>
+                                        <p:tav tm="0">
+                                          <p:val>
+                                            <p:fltVal val="0"/>
+                                          </p:val>
+                                        </p:tav>
+                                        <p:tav tm="100000">
+                                          <p:val>
+                                            <p:strVal val="#ppt_w"/>
+                                          </p:val>
+                                        </p:tav>
+                                      </p:tavLst>
+                                    </p:anim>
+                                    <p:anim calcmode="lin" valueType="num">
+                                      <p:cBhvr>
+                                        <p:cTn id="8" dur="1000" fill="hold"/>
+                                        <p:tgtEl>
+                                          <p:spTgt spid="5"/>
+                                        </p:tgtEl>
+                                        <p:attrNameLst>
+                                          <p:attrName>ppt_h</p:attrName>
+                                        </p:attrNameLst>
+                                      </p:cBhvr>
+                                      <p:tavLst>
+                                        <p:tav tm="0">
+                                          <p:val>
+                                            <p:fltVal val="0"/>
+                                          </p:val>
+                                        </p:tav>
+                                        <p:tav tm="100000">
+                                          <p:val>
+                                            <p:strVal val="#ppt_h"/>
+                                          </p:val>
+                                        </p:tav>
+                                      </p:tavLst>
+                                    </p:anim>
+                                    <p:anim calcmode="lin" valueType="num">
+                                      <p:cBhvr>
+                                        <p:cTn id="9" dur="1000" fill="hold"/>
+                                        <p:tgtEl>
+                                          <p:spTgt spid="5"/>
+                                        </p:tgtEl>
+                                        <p:attrNameLst>
+                                          <p:attrName>style.rotation</p:attrName>
+                                        </p:attrNameLst>
+                                      </p:cBhvr>
+                                      <p:tavLst>
+                                        <p:tav tm="0">
+                                          <p:val>
+                                            <p:fltVal val="90"/>
+                                          </p:val>
+                                        </p:tav>
+                                        <p:tav tm="100000">
+                                          <p:val>
+                                            <p:fltVal val="0"/>
+                                          </p:val>
+                                        </p:tav>
+                                      </p:tavLst>
+                                    </p:anim>
+                                    <p:animEffect transition="in" filter="fade">
+                                      <p:cBhvr>
+                                        <p:cTn id="10" dur="1000"/>
+                                        <p:tgtEl>
+                                          <p:spTgt spid="5"/>
+                                        </p:tgtEl>
+                                      </p:cBhvr>
+                                    </p:animEffect>
+                                  </p:childTnLst>
+                                </p:cTn>
+                              </p:par>
+                            </p:childTnLst>
+                          </p:cTn>
+                        </p:par>
+                      </p:childTnLst>
+                    </p:cTn>
+                  </p:par>
+                </p:childTnLst>
+              </p:cTn>
+              <p:prevCondLst>
+                <p:cond evt="onPrev" delay="0">
+                  <p:tgtEl>
+                    <p:sldTgt/>
+                  </p:tgtEl>
+                </p:cond>
+              </p:prevCondLst>
+              <p:nextCondLst>
+                <p:cond evt="onNext" delay="0">
+                  <p:tgtEl>
+                    <p:sldTgt/>
+                  </p:tgtEl>
+                </p:cond>
+              </p:nextCondLst>
+            </p:seq>
+          </p:childTnLst>
+        </p:cTn>
       </p:par>
     </p:tnLst>
+    <p:bldLst>
+      <p:bldP spid="5" grpId="0" animBg="1"/>
+    </p:bldLst>
   </p:timing>
 </p:sld>
 </file>
